--- a/Powerpoint - Frequency Clinton and Trump.pptx
+++ b/Powerpoint - Frequency Clinton and Trump.pptx
@@ -10,13 +10,16 @@
     <p:sldId id="281" r:id="rId4"/>
     <p:sldId id="282" r:id="rId5"/>
     <p:sldId id="307" r:id="rId6"/>
-    <p:sldId id="309" r:id="rId7"/>
-    <p:sldId id="310" r:id="rId8"/>
-    <p:sldId id="257" r:id="rId9"/>
+    <p:sldId id="310" r:id="rId7"/>
+    <p:sldId id="317" r:id="rId8"/>
+    <p:sldId id="318" r:id="rId9"/>
     <p:sldId id="311" r:id="rId10"/>
-    <p:sldId id="313" r:id="rId11"/>
-    <p:sldId id="314" r:id="rId12"/>
-    <p:sldId id="315" r:id="rId13"/>
+    <p:sldId id="319" r:id="rId11"/>
+    <p:sldId id="320" r:id="rId12"/>
+    <p:sldId id="321" r:id="rId13"/>
+    <p:sldId id="313" r:id="rId14"/>
+    <p:sldId id="314" r:id="rId15"/>
+    <p:sldId id="315" r:id="rId16"/>
   </p:sldIdLst>
   <p:sldSz cx="12192000" cy="6858000"/>
   <p:notesSz cx="6858000" cy="9144000"/>
@@ -117,7 +120,7 @@
   </p:defaultTextStyle>
   <p:extLst>
     <p:ext uri="{EFAFB233-063F-42B5-8137-9DF3F51BA10A}">
-      <p15:sldGuideLst xmlns:p15="http://schemas.microsoft.com/office/powerpoint/2012/main"/>
+      <p15:sldGuideLst xmlns:p15="http://schemas.microsoft.com/office/powerpoint/2012/main" xmlns=""/>
     </p:ext>
   </p:extLst>
 </p:presentation>
@@ -128,7 +131,7 @@
   <p:cmAuthor id="1" name="ismail - [2010]" initials="i-[" lastIdx="1" clrIdx="0">
     <p:extLst>
       <p:ext uri="{19B8F6BF-5375-455C-9EA6-DF929625EA0E}">
-        <p15:presenceInfo xmlns:p15="http://schemas.microsoft.com/office/powerpoint/2012/main" userId="ismail - [2010]" providerId="None"/>
+        <p15:presenceInfo xmlns:p15="http://schemas.microsoft.com/office/powerpoint/2012/main" xmlns="" userId="ismail - [2010]" providerId="None"/>
       </p:ext>
     </p:extLst>
   </p:cmAuthor>
@@ -266,7 +269,7 @@
           <a:p>
             <a:fld id="{B586DBB7-CD55-4CA2-A215-E258584FAADF}" type="datetimeFigureOut">
               <a:rPr lang="en-GB" smtClean="0"/>
-              <a:t>18/10/2016</a:t>
+              <a:t>16-10-19</a:t>
             </a:fld>
             <a:endParaRPr lang="en-GB"/>
           </a:p>
@@ -436,7 +439,7 @@
           <a:p>
             <a:fld id="{B586DBB7-CD55-4CA2-A215-E258584FAADF}" type="datetimeFigureOut">
               <a:rPr lang="en-GB" smtClean="0"/>
-              <a:t>18/10/2016</a:t>
+              <a:t>16-10-19</a:t>
             </a:fld>
             <a:endParaRPr lang="en-GB"/>
           </a:p>
@@ -616,7 +619,7 @@
           <a:p>
             <a:fld id="{B586DBB7-CD55-4CA2-A215-E258584FAADF}" type="datetimeFigureOut">
               <a:rPr lang="en-GB" smtClean="0"/>
-              <a:t>18/10/2016</a:t>
+              <a:t>16-10-19</a:t>
             </a:fld>
             <a:endParaRPr lang="en-GB"/>
           </a:p>
@@ -786,7 +789,7 @@
           <a:p>
             <a:fld id="{B586DBB7-CD55-4CA2-A215-E258584FAADF}" type="datetimeFigureOut">
               <a:rPr lang="en-GB" smtClean="0"/>
-              <a:t>18/10/2016</a:t>
+              <a:t>16-10-19</a:t>
             </a:fld>
             <a:endParaRPr lang="en-GB"/>
           </a:p>
@@ -1032,7 +1035,7 @@
           <a:p>
             <a:fld id="{B586DBB7-CD55-4CA2-A215-E258584FAADF}" type="datetimeFigureOut">
               <a:rPr lang="en-GB" smtClean="0"/>
-              <a:t>18/10/2016</a:t>
+              <a:t>16-10-19</a:t>
             </a:fld>
             <a:endParaRPr lang="en-GB"/>
           </a:p>
@@ -1264,7 +1267,7 @@
           <a:p>
             <a:fld id="{B586DBB7-CD55-4CA2-A215-E258584FAADF}" type="datetimeFigureOut">
               <a:rPr lang="en-GB" smtClean="0"/>
-              <a:t>18/10/2016</a:t>
+              <a:t>16-10-19</a:t>
             </a:fld>
             <a:endParaRPr lang="en-GB"/>
           </a:p>
@@ -1631,7 +1634,7 @@
           <a:p>
             <a:fld id="{B586DBB7-CD55-4CA2-A215-E258584FAADF}" type="datetimeFigureOut">
               <a:rPr lang="en-GB" smtClean="0"/>
-              <a:t>18/10/2016</a:t>
+              <a:t>16-10-19</a:t>
             </a:fld>
             <a:endParaRPr lang="en-GB"/>
           </a:p>
@@ -1749,7 +1752,7 @@
           <a:p>
             <a:fld id="{B586DBB7-CD55-4CA2-A215-E258584FAADF}" type="datetimeFigureOut">
               <a:rPr lang="en-GB" smtClean="0"/>
-              <a:t>18/10/2016</a:t>
+              <a:t>16-10-19</a:t>
             </a:fld>
             <a:endParaRPr lang="en-GB"/>
           </a:p>
@@ -1844,7 +1847,7 @@
           <a:p>
             <a:fld id="{B586DBB7-CD55-4CA2-A215-E258584FAADF}" type="datetimeFigureOut">
               <a:rPr lang="en-GB" smtClean="0"/>
-              <a:t>18/10/2016</a:t>
+              <a:t>16-10-19</a:t>
             </a:fld>
             <a:endParaRPr lang="en-GB"/>
           </a:p>
@@ -2121,7 +2124,7 @@
           <a:p>
             <a:fld id="{B586DBB7-CD55-4CA2-A215-E258584FAADF}" type="datetimeFigureOut">
               <a:rPr lang="en-GB" smtClean="0"/>
-              <a:t>18/10/2016</a:t>
+              <a:t>16-10-19</a:t>
             </a:fld>
             <a:endParaRPr lang="en-GB"/>
           </a:p>
@@ -2374,7 +2377,7 @@
           <a:p>
             <a:fld id="{B586DBB7-CD55-4CA2-A215-E258584FAADF}" type="datetimeFigureOut">
               <a:rPr lang="en-GB" smtClean="0"/>
-              <a:t>18/10/2016</a:t>
+              <a:t>16-10-19</a:t>
             </a:fld>
             <a:endParaRPr lang="en-GB"/>
           </a:p>
@@ -2587,7 +2590,7 @@
           <a:p>
             <a:fld id="{B586DBB7-CD55-4CA2-A215-E258584FAADF}" type="datetimeFigureOut">
               <a:rPr lang="en-GB" smtClean="0"/>
-              <a:t>18/10/2016</a:t>
+              <a:t>16-10-19</a:t>
             </a:fld>
             <a:endParaRPr lang="en-GB"/>
           </a:p>
@@ -3048,22 +3051,40 @@
           <a:p>
             <a:pPr algn="r"/>
             <a:r>
+              <a:rPr lang="de-DE" sz="2000" dirty="0">
+                <a:latin typeface="Rockwell" panose="02060603020205020403" pitchFamily="18" charset="0"/>
+              </a:rPr>
+              <a:t>Martin Roger </a:t>
+            </a:r>
+            <a:r>
+              <a:rPr lang="de-DE" sz="2000" dirty="0" err="1">
+                <a:latin typeface="Rockwell" panose="02060603020205020403" pitchFamily="18" charset="0"/>
+              </a:rPr>
+              <a:t>Nkpwang</a:t>
+            </a:r>
+            <a:r>
+              <a:rPr lang="de-DE" sz="2000" dirty="0">
+                <a:latin typeface="Rockwell" panose="02060603020205020403" pitchFamily="18" charset="0"/>
+              </a:rPr>
+              <a:t> </a:t>
+            </a:r>
+            <a:r>
+              <a:rPr lang="de-DE" sz="2000" dirty="0" err="1" smtClean="0">
+                <a:latin typeface="Rockwell" panose="02060603020205020403" pitchFamily="18" charset="0"/>
+              </a:rPr>
+              <a:t>Ze</a:t>
+            </a:r>
+            <a:r>
+              <a:rPr lang="en-GB" sz="2000" dirty="0" smtClean="0">
+                <a:latin typeface="Rockwell" panose="02060603020205020403" pitchFamily="18" charset="0"/>
+              </a:rPr>
+              <a:t>, </a:t>
+            </a:r>
+            <a:r>
               <a:rPr lang="en-GB" sz="2000" dirty="0">
                 <a:latin typeface="Rockwell" panose="02060603020205020403" pitchFamily="18" charset="0"/>
               </a:rPr>
-              <a:t>Martin Roger </a:t>
-            </a:r>
-            <a:r>
-              <a:rPr lang="en-GB" sz="2000" dirty="0" err="1">
-                <a:latin typeface="Rockwell" panose="02060603020205020403" pitchFamily="18" charset="0"/>
-              </a:rPr>
-              <a:t>Ze</a:t>
-            </a:r>
-            <a:r>
-              <a:rPr lang="en-GB" sz="2000" dirty="0">
-                <a:latin typeface="Rockwell" panose="02060603020205020403" pitchFamily="18" charset="0"/>
-              </a:rPr>
-              <a:t> Schneider, Lars </a:t>
+              <a:t>Lars </a:t>
             </a:r>
             <a:r>
               <a:rPr lang="en-GB" sz="2000" dirty="0" err="1">
@@ -3160,80 +3181,80 @@
           <a:p>
             <a:pPr algn="ctr"/>
             <a:r>
-              <a:rPr lang="en-GB" dirty="0">
-                <a:latin typeface="Rockwell" panose="02060603020205020403" pitchFamily="18" charset="0"/>
-              </a:rPr>
-              <a:t>Conclusions</a:t>
-            </a:r>
-          </a:p>
-        </p:txBody>
-      </p:sp>
-      <p:sp>
-        <p:nvSpPr>
-          <p:cNvPr id="3" name="Content Placeholder 2"/>
-          <p:cNvSpPr>
-            <a:spLocks noGrp="1"/>
-          </p:cNvSpPr>
-          <p:nvPr>
-            <p:ph idx="1"/>
-          </p:nvPr>
-        </p:nvSpPr>
-        <p:spPr/>
-        <p:txBody>
-          <a:bodyPr/>
-          <a:lstStyle/>
-          <a:p>
-            <a:r>
-              <a:rPr lang="en-GB" dirty="0">
-                <a:highlight>
-                  <a:srgbClr val="FFFF00"/>
-                </a:highlight>
-                <a:latin typeface="Rockwell" panose="02060603020205020403" pitchFamily="18" charset="0"/>
-              </a:rPr>
-              <a:t>What have we concluded based on our research? </a:t>
-            </a:r>
-          </a:p>
-          <a:p>
+              <a:rPr lang="en-GB" dirty="0" smtClean="0">
+                <a:latin typeface="Rockwell" panose="02060603020205020403" pitchFamily="18" charset="0"/>
+              </a:rPr>
+              <a:t>Clinton in Guardian</a:t>
+            </a:r>
             <a:endParaRPr lang="en-GB" dirty="0">
-              <a:highlight>
-                <a:srgbClr val="FFFF00"/>
-              </a:highlight>
               <a:latin typeface="Rockwell" panose="02060603020205020403" pitchFamily="18" charset="0"/>
             </a:endParaRPr>
           </a:p>
-          <a:p>
-            <a:endParaRPr lang="en-GB" dirty="0">
-              <a:highlight>
-                <a:srgbClr val="FFFF00"/>
-              </a:highlight>
-              <a:latin typeface="Rockwell" panose="02060603020205020403" pitchFamily="18" charset="0"/>
-            </a:endParaRPr>
-          </a:p>
-          <a:p>
-            <a:endParaRPr lang="en-GB" dirty="0">
-              <a:highlight>
-                <a:srgbClr val="FFFF00"/>
-              </a:highlight>
-              <a:latin typeface="Rockwell" panose="02060603020205020403" pitchFamily="18" charset="0"/>
-            </a:endParaRPr>
-          </a:p>
-          <a:p>
-            <a:r>
-              <a:rPr lang="en-GB" dirty="0">
-                <a:highlight>
-                  <a:srgbClr val="FFFF00"/>
-                </a:highlight>
-                <a:latin typeface="Rockwell" panose="02060603020205020403" pitchFamily="18" charset="0"/>
-              </a:rPr>
-              <a:t>What does our research tell? How is it useful?</a:t>
-            </a:r>
-          </a:p>
-        </p:txBody>
-      </p:sp>
+        </p:txBody>
+      </p:sp>
+      <p:pic>
+        <p:nvPicPr>
+          <p:cNvPr id="7" name="Content Placeholder 6"/>
+          <p:cNvPicPr>
+            <a:picLocks noGrp="1" noChangeAspect="1"/>
+          </p:cNvPicPr>
+          <p:nvPr>
+            <p:ph idx="1"/>
+          </p:nvPr>
+        </p:nvPicPr>
+        <p:blipFill>
+          <a:blip r:embed="rId2">
+            <a:extLst>
+              <a:ext uri="{28A0092B-C50C-407E-A947-70E740481C1C}">
+                <a14:useLocalDpi xmlns:a14="http://schemas.microsoft.com/office/drawing/2010/main" val="0"/>
+              </a:ext>
+            </a:extLst>
+          </a:blip>
+          <a:stretch>
+            <a:fillRect/>
+          </a:stretch>
+        </p:blipFill>
+        <p:spPr>
+          <a:xfrm>
+            <a:off x="838200" y="2053882"/>
+            <a:ext cx="5248275" cy="3894823"/>
+          </a:xfrm>
+        </p:spPr>
+      </p:pic>
+      <p:pic>
+        <p:nvPicPr>
+          <p:cNvPr id="8" name="Picture 7"/>
+          <p:cNvPicPr>
+            <a:picLocks noChangeAspect="1"/>
+          </p:cNvPicPr>
+          <p:nvPr/>
+        </p:nvPicPr>
+        <p:blipFill>
+          <a:blip r:embed="rId3">
+            <a:extLst>
+              <a:ext uri="{28A0092B-C50C-407E-A947-70E740481C1C}">
+                <a14:useLocalDpi xmlns:a14="http://schemas.microsoft.com/office/drawing/2010/main" val="0"/>
+              </a:ext>
+            </a:extLst>
+          </a:blip>
+          <a:stretch>
+            <a:fillRect/>
+          </a:stretch>
+        </p:blipFill>
+        <p:spPr>
+          <a:xfrm>
+            <a:off x="6263144" y="1932712"/>
+            <a:ext cx="5257961" cy="3902011"/>
+          </a:xfrm>
+          <a:prstGeom prst="rect">
+            <a:avLst/>
+          </a:prstGeom>
+        </p:spPr>
+      </p:pic>
     </p:spTree>
     <p:extLst>
       <p:ext uri="{BB962C8B-B14F-4D97-AF65-F5344CB8AC3E}">
-        <p14:creationId xmlns:p14="http://schemas.microsoft.com/office/powerpoint/2010/main" val="3478327660"/>
+        <p14:creationId xmlns:p14="http://schemas.microsoft.com/office/powerpoint/2010/main" val="2182714041"/>
       </p:ext>
     </p:extLst>
   </p:cSld>
@@ -3277,11 +3298,193 @@
           <a:p>
             <a:pPr algn="ctr"/>
             <a:r>
-              <a:rPr lang="en-GB" dirty="0">
-                <a:latin typeface="Rockwell" panose="02060603020205020403" pitchFamily="18" charset="0"/>
-              </a:rPr>
-              <a:t>Future research</a:t>
-            </a:r>
+              <a:rPr lang="en-GB" dirty="0" smtClean="0">
+                <a:latin typeface="Rockwell" panose="02060603020205020403" pitchFamily="18" charset="0"/>
+              </a:rPr>
+              <a:t>Side by side</a:t>
+            </a:r>
+            <a:endParaRPr lang="en-GB" dirty="0">
+              <a:latin typeface="Rockwell" panose="02060603020205020403" pitchFamily="18" charset="0"/>
+            </a:endParaRPr>
+          </a:p>
+        </p:txBody>
+      </p:sp>
+      <p:pic>
+        <p:nvPicPr>
+          <p:cNvPr id="7" name="Content Placeholder 6"/>
+          <p:cNvPicPr>
+            <a:picLocks noGrp="1" noChangeAspect="1"/>
+          </p:cNvPicPr>
+          <p:nvPr>
+            <p:ph idx="1"/>
+          </p:nvPr>
+        </p:nvPicPr>
+        <p:blipFill>
+          <a:blip r:embed="rId2">
+            <a:extLst>
+              <a:ext uri="{28A0092B-C50C-407E-A947-70E740481C1C}">
+                <a14:useLocalDpi xmlns:a14="http://schemas.microsoft.com/office/drawing/2010/main" val="0"/>
+              </a:ext>
+            </a:extLst>
+          </a:blip>
+          <a:stretch>
+            <a:fillRect/>
+          </a:stretch>
+        </p:blipFill>
+        <p:spPr>
+          <a:xfrm>
+            <a:off x="838201" y="2053882"/>
+            <a:ext cx="5248273" cy="3894823"/>
+          </a:xfrm>
+        </p:spPr>
+      </p:pic>
+      <p:pic>
+        <p:nvPicPr>
+          <p:cNvPr id="8" name="Picture 7"/>
+          <p:cNvPicPr>
+            <a:picLocks noChangeAspect="1"/>
+          </p:cNvPicPr>
+          <p:nvPr/>
+        </p:nvPicPr>
+        <p:blipFill>
+          <a:blip r:embed="rId3">
+            <a:extLst>
+              <a:ext uri="{28A0092B-C50C-407E-A947-70E740481C1C}">
+                <a14:useLocalDpi xmlns:a14="http://schemas.microsoft.com/office/drawing/2010/main" val="0"/>
+              </a:ext>
+            </a:extLst>
+          </a:blip>
+          <a:stretch>
+            <a:fillRect/>
+          </a:stretch>
+        </p:blipFill>
+        <p:spPr>
+          <a:xfrm>
+            <a:off x="6263145" y="1932712"/>
+            <a:ext cx="5257959" cy="3902011"/>
+          </a:xfrm>
+          <a:prstGeom prst="rect">
+            <a:avLst/>
+          </a:prstGeom>
+        </p:spPr>
+      </p:pic>
+    </p:spTree>
+    <p:extLst>
+      <p:ext uri="{BB962C8B-B14F-4D97-AF65-F5344CB8AC3E}">
+        <p14:creationId xmlns:p14="http://schemas.microsoft.com/office/powerpoint/2010/main" val="1375590553"/>
+      </p:ext>
+    </p:extLst>
+  </p:cSld>
+  <p:clrMapOvr>
+    <a:masterClrMapping/>
+  </p:clrMapOvr>
+</p:sld>
+</file>
+
+<file path=ppt/slides/slide12.xml><?xml version="1.0" encoding="utf-8"?>
+<p:sld xmlns:a="http://schemas.openxmlformats.org/drawingml/2006/main" xmlns:r="http://schemas.openxmlformats.org/officeDocument/2006/relationships" xmlns:p="http://schemas.openxmlformats.org/presentationml/2006/main">
+  <p:cSld>
+    <p:spTree>
+      <p:nvGrpSpPr>
+        <p:cNvPr id="1" name=""/>
+        <p:cNvGrpSpPr/>
+        <p:nvPr/>
+      </p:nvGrpSpPr>
+      <p:grpSpPr>
+        <a:xfrm>
+          <a:off x="0" y="0"/>
+          <a:ext cx="0" cy="0"/>
+          <a:chOff x="0" y="0"/>
+          <a:chExt cx="0" cy="0"/>
+        </a:xfrm>
+      </p:grpSpPr>
+      <p:sp>
+        <p:nvSpPr>
+          <p:cNvPr id="2" name="Title 1"/>
+          <p:cNvSpPr>
+            <a:spLocks noGrp="1"/>
+          </p:cNvSpPr>
+          <p:nvPr>
+            <p:ph type="ctrTitle"/>
+          </p:nvPr>
+        </p:nvSpPr>
+        <p:spPr>
+          <a:xfrm>
+            <a:off x="1524000" y="1122363"/>
+            <a:ext cx="9144000" cy="2387600"/>
+          </a:xfrm>
+        </p:spPr>
+        <p:txBody>
+          <a:bodyPr/>
+          <a:lstStyle/>
+          <a:p>
+            <a:r>
+              <a:rPr lang="en-GB" dirty="0" smtClean="0">
+                <a:latin typeface="Rockwell" panose="02060603020205020403" pitchFamily="18" charset="0"/>
+              </a:rPr>
+              <a:t>Conclusion </a:t>
+            </a:r>
+            <a:endParaRPr lang="en-GB" dirty="0">
+              <a:latin typeface="Rockwell" panose="02060603020205020403" pitchFamily="18" charset="0"/>
+            </a:endParaRPr>
+          </a:p>
+        </p:txBody>
+      </p:sp>
+    </p:spTree>
+    <p:extLst>
+      <p:ext uri="{BB962C8B-B14F-4D97-AF65-F5344CB8AC3E}">
+        <p14:creationId xmlns:p14="http://schemas.microsoft.com/office/powerpoint/2010/main" val="4110667470"/>
+      </p:ext>
+    </p:extLst>
+  </p:cSld>
+  <p:clrMapOvr>
+    <a:masterClrMapping/>
+  </p:clrMapOvr>
+</p:sld>
+</file>
+
+<file path=ppt/slides/slide13.xml><?xml version="1.0" encoding="utf-8"?>
+<p:sld xmlns:a="http://schemas.openxmlformats.org/drawingml/2006/main" xmlns:r="http://schemas.openxmlformats.org/officeDocument/2006/relationships" xmlns:p="http://schemas.openxmlformats.org/presentationml/2006/main">
+  <p:cSld>
+    <p:spTree>
+      <p:nvGrpSpPr>
+        <p:cNvPr id="1" name=""/>
+        <p:cNvGrpSpPr/>
+        <p:nvPr/>
+      </p:nvGrpSpPr>
+      <p:grpSpPr>
+        <a:xfrm>
+          <a:off x="0" y="0"/>
+          <a:ext cx="0" cy="0"/>
+          <a:chOff x="0" y="0"/>
+          <a:chExt cx="0" cy="0"/>
+        </a:xfrm>
+      </p:grpSpPr>
+      <p:sp>
+        <p:nvSpPr>
+          <p:cNvPr id="2" name="Title 1"/>
+          <p:cNvSpPr>
+            <a:spLocks noGrp="1"/>
+          </p:cNvSpPr>
+          <p:nvPr>
+            <p:ph type="title"/>
+          </p:nvPr>
+        </p:nvSpPr>
+        <p:spPr/>
+        <p:txBody>
+          <a:bodyPr/>
+          <a:lstStyle/>
+          <a:p>
+            <a:pPr algn="ctr"/>
+            <a:r>
+              <a:rPr lang="en-GB" dirty="0" smtClean="0">
+                <a:latin typeface="Rockwell" panose="02060603020205020403" pitchFamily="18" charset="0"/>
+              </a:rPr>
+              <a:t>Conclusion</a:t>
+            </a:r>
+            <a:endParaRPr lang="en-GB" dirty="0">
+              <a:latin typeface="Rockwell" panose="02060603020205020403" pitchFamily="18" charset="0"/>
+            </a:endParaRPr>
           </a:p>
         </p:txBody>
       </p:sp>
@@ -3295,10 +3498,118 @@
             <p:ph idx="1"/>
           </p:nvPr>
         </p:nvSpPr>
-        <p:spPr/>
-        <p:txBody>
-          <a:bodyPr/>
-          <a:lstStyle/>
+        <p:spPr>
+          <a:xfrm>
+            <a:off x="838200" y="1825626"/>
+            <a:ext cx="9758240" cy="4216214"/>
+          </a:xfrm>
+        </p:spPr>
+        <p:txBody>
+          <a:bodyPr>
+            <a:normAutofit fontScale="92500"/>
+          </a:bodyPr>
+          <a:lstStyle/>
+          <a:p>
+            <a:r>
+              <a:rPr lang="en-GB" dirty="0" smtClean="0">
+                <a:highlight>
+                  <a:srgbClr val="FFFF00"/>
+                </a:highlight>
+                <a:latin typeface="Rockwell" panose="02060603020205020403" pitchFamily="18" charset="0"/>
+              </a:rPr>
+              <a:t>Between Aug. 1, 2016 </a:t>
+            </a:r>
+            <a:r>
+              <a:rPr lang="en-US" dirty="0" smtClean="0">
+                <a:highlight>
+                  <a:srgbClr val="FFFF00"/>
+                </a:highlight>
+                <a:latin typeface="Rockwell" panose="02060603020205020403" pitchFamily="18" charset="0"/>
+              </a:rPr>
+              <a:t>–</a:t>
+            </a:r>
+            <a:r>
+              <a:rPr lang="en-GB" dirty="0" smtClean="0">
+                <a:highlight>
+                  <a:srgbClr val="FFFF00"/>
+                </a:highlight>
+                <a:latin typeface="Rockwell" panose="02060603020205020403" pitchFamily="18" charset="0"/>
+              </a:rPr>
+              <a:t> Oct. 1, 2016</a:t>
+            </a:r>
+          </a:p>
+          <a:p>
+            <a:pPr lvl="1"/>
+            <a:r>
+              <a:rPr lang="en-GB" dirty="0" smtClean="0">
+                <a:highlight>
+                  <a:srgbClr val="FFFF00"/>
+                </a:highlight>
+                <a:latin typeface="Rockwell" panose="02060603020205020403" pitchFamily="18" charset="0"/>
+              </a:rPr>
+              <a:t>New York Times</a:t>
+            </a:r>
+          </a:p>
+          <a:p>
+            <a:pPr lvl="2"/>
+            <a:r>
+              <a:rPr lang="en-GB" dirty="0" smtClean="0">
+                <a:highlight>
+                  <a:srgbClr val="FFFF00"/>
+                </a:highlight>
+                <a:latin typeface="Rockwell" panose="02060603020205020403" pitchFamily="18" charset="0"/>
+              </a:rPr>
+              <a:t>Trump: 1291</a:t>
+            </a:r>
+          </a:p>
+          <a:p>
+            <a:pPr lvl="2"/>
+            <a:r>
+              <a:rPr lang="en-GB" dirty="0" smtClean="0">
+                <a:highlight>
+                  <a:srgbClr val="FFFF00"/>
+                </a:highlight>
+                <a:latin typeface="Rockwell" panose="02060603020205020403" pitchFamily="18" charset="0"/>
+              </a:rPr>
+              <a:t>Clinton: 757</a:t>
+            </a:r>
+          </a:p>
+          <a:p>
+            <a:pPr lvl="1"/>
+            <a:r>
+              <a:rPr lang="en-GB" dirty="0" smtClean="0">
+                <a:highlight>
+                  <a:srgbClr val="FFFF00"/>
+                </a:highlight>
+                <a:latin typeface="Rockwell" panose="02060603020205020403" pitchFamily="18" charset="0"/>
+              </a:rPr>
+              <a:t>Guardian</a:t>
+            </a:r>
+          </a:p>
+          <a:p>
+            <a:pPr lvl="2"/>
+            <a:r>
+              <a:rPr lang="en-GB" dirty="0" smtClean="0">
+                <a:highlight>
+                  <a:srgbClr val="FFFF00"/>
+                </a:highlight>
+                <a:latin typeface="Rockwell" panose="02060603020205020403" pitchFamily="18" charset="0"/>
+              </a:rPr>
+              <a:t>Trump: 533</a:t>
+            </a:r>
+          </a:p>
+          <a:p>
+            <a:pPr lvl="2"/>
+            <a:r>
+              <a:rPr lang="en-GB" dirty="0" smtClean="0">
+                <a:highlight>
+                  <a:srgbClr val="FFFF00"/>
+                </a:highlight>
+                <a:latin typeface="Rockwell" panose="02060603020205020403" pitchFamily="18" charset="0"/>
+              </a:rPr>
+              <a:t>Clinton: 468 </a:t>
+            </a:r>
+          </a:p>
           <a:p>
             <a:r>
               <a:rPr lang="en-GB" dirty="0">
@@ -3307,10 +3618,28 @@
                 </a:highlight>
                 <a:latin typeface="Rockwell" panose="02060603020205020403" pitchFamily="18" charset="0"/>
               </a:rPr>
-              <a:t>How can we follow this research up?</a:t>
-            </a:r>
-          </a:p>
-          <a:p>
+              <a:t>Mentioning of Trump decreased nearing election </a:t>
+            </a:r>
+            <a:r>
+              <a:rPr lang="en-GB" dirty="0" smtClean="0">
+                <a:highlight>
+                  <a:srgbClr val="FFFF00"/>
+                </a:highlight>
+                <a:latin typeface="Rockwell" panose="02060603020205020403" pitchFamily="18" charset="0"/>
+              </a:rPr>
+              <a:t>date on the NYT. Clinton’s mentions increased.</a:t>
+            </a:r>
+          </a:p>
+          <a:p>
+            <a:r>
+              <a:rPr lang="en-GB" dirty="0" smtClean="0">
+                <a:highlight>
+                  <a:srgbClr val="FFFF00"/>
+                </a:highlight>
+                <a:latin typeface="Rockwell" panose="02060603020205020403" pitchFamily="18" charset="0"/>
+              </a:rPr>
+              <a:t>The Guardian reflected our initial hypothesis that mentions for both candidates would increase near election day.</a:t>
+            </a:r>
             <a:endParaRPr lang="en-GB" dirty="0">
               <a:highlight>
                 <a:srgbClr val="FFFF00"/>
@@ -3327,17 +3656,9 @@
             </a:endParaRPr>
           </a:p>
           <a:p>
-            <a:r>
-              <a:rPr lang="en-GB" dirty="0">
-                <a:highlight>
-                  <a:srgbClr val="FFFF00"/>
-                </a:highlight>
-                <a:latin typeface="Rockwell" panose="02060603020205020403" pitchFamily="18" charset="0"/>
-              </a:rPr>
-              <a:t>Can we expand on this research?</a:t>
-            </a:r>
-          </a:p>
-          <a:p>
+            <a:pPr marL="0" indent="0">
+              <a:buNone/>
+            </a:pPr>
             <a:endParaRPr lang="en-GB" dirty="0">
               <a:highlight>
                 <a:srgbClr val="FFFF00"/>
@@ -3346,6 +3667,141 @@
             </a:endParaRPr>
           </a:p>
           <a:p>
+            <a:pPr marL="0" indent="0">
+              <a:buNone/>
+            </a:pPr>
+            <a:endParaRPr lang="en-GB" dirty="0">
+              <a:highlight>
+                <a:srgbClr val="FFFF00"/>
+              </a:highlight>
+              <a:latin typeface="Rockwell" panose="02060603020205020403" pitchFamily="18" charset="0"/>
+            </a:endParaRPr>
+          </a:p>
+        </p:txBody>
+      </p:sp>
+    </p:spTree>
+    <p:extLst>
+      <p:ext uri="{BB962C8B-B14F-4D97-AF65-F5344CB8AC3E}">
+        <p14:creationId xmlns:p14="http://schemas.microsoft.com/office/powerpoint/2010/main" val="3478327660"/>
+      </p:ext>
+    </p:extLst>
+  </p:cSld>
+  <p:clrMapOvr>
+    <a:masterClrMapping/>
+  </p:clrMapOvr>
+</p:sld>
+</file>
+
+<file path=ppt/slides/slide14.xml><?xml version="1.0" encoding="utf-8"?>
+<p:sld xmlns:a="http://schemas.openxmlformats.org/drawingml/2006/main" xmlns:r="http://schemas.openxmlformats.org/officeDocument/2006/relationships" xmlns:p="http://schemas.openxmlformats.org/presentationml/2006/main">
+  <p:cSld>
+    <p:spTree>
+      <p:nvGrpSpPr>
+        <p:cNvPr id="1" name=""/>
+        <p:cNvGrpSpPr/>
+        <p:nvPr/>
+      </p:nvGrpSpPr>
+      <p:grpSpPr>
+        <a:xfrm>
+          <a:off x="0" y="0"/>
+          <a:ext cx="0" cy="0"/>
+          <a:chOff x="0" y="0"/>
+          <a:chExt cx="0" cy="0"/>
+        </a:xfrm>
+      </p:grpSpPr>
+      <p:sp>
+        <p:nvSpPr>
+          <p:cNvPr id="2" name="Title 1"/>
+          <p:cNvSpPr>
+            <a:spLocks noGrp="1"/>
+          </p:cNvSpPr>
+          <p:nvPr>
+            <p:ph type="title"/>
+          </p:nvPr>
+        </p:nvSpPr>
+        <p:spPr/>
+        <p:txBody>
+          <a:bodyPr/>
+          <a:lstStyle/>
+          <a:p>
+            <a:pPr algn="ctr"/>
+            <a:r>
+              <a:rPr lang="en-GB" dirty="0">
+                <a:latin typeface="Rockwell" panose="02060603020205020403" pitchFamily="18" charset="0"/>
+              </a:rPr>
+              <a:t>Future research</a:t>
+            </a:r>
+          </a:p>
+        </p:txBody>
+      </p:sp>
+      <p:sp>
+        <p:nvSpPr>
+          <p:cNvPr id="3" name="Content Placeholder 2"/>
+          <p:cNvSpPr>
+            <a:spLocks noGrp="1"/>
+          </p:cNvSpPr>
+          <p:nvPr>
+            <p:ph idx="1"/>
+          </p:nvPr>
+        </p:nvSpPr>
+        <p:spPr/>
+        <p:txBody>
+          <a:bodyPr/>
+          <a:lstStyle/>
+          <a:p>
+            <a:r>
+              <a:rPr lang="en-GB" dirty="0">
+                <a:highlight>
+                  <a:srgbClr val="FFFF00"/>
+                </a:highlight>
+                <a:latin typeface="Rockwell" panose="02060603020205020403" pitchFamily="18" charset="0"/>
+              </a:rPr>
+              <a:t>How can we follow this research up?</a:t>
+            </a:r>
+          </a:p>
+          <a:p>
+            <a:pPr lvl="1"/>
+            <a:r>
+              <a:rPr lang="en-GB" dirty="0" smtClean="0">
+                <a:highlight>
+                  <a:srgbClr val="FFFF00"/>
+                </a:highlight>
+                <a:latin typeface="Rockwell" panose="02060603020205020403" pitchFamily="18" charset="0"/>
+              </a:rPr>
+              <a:t>Provides the foundation for further investigation into the quality of news and media coverage during elections.</a:t>
+            </a:r>
+          </a:p>
+          <a:p>
+            <a:pPr lvl="1"/>
+            <a:endParaRPr lang="en-GB" dirty="0">
+              <a:highlight>
+                <a:srgbClr val="FFFF00"/>
+              </a:highlight>
+              <a:latin typeface="Rockwell" panose="02060603020205020403" pitchFamily="18" charset="0"/>
+            </a:endParaRPr>
+          </a:p>
+          <a:p>
+            <a:r>
+              <a:rPr lang="en-GB" dirty="0">
+                <a:highlight>
+                  <a:srgbClr val="FFFF00"/>
+                </a:highlight>
+                <a:latin typeface="Rockwell" panose="02060603020205020403" pitchFamily="18" charset="0"/>
+              </a:rPr>
+              <a:t>Can we expand on this research?</a:t>
+            </a:r>
+          </a:p>
+          <a:p>
+            <a:pPr lvl="1"/>
+            <a:r>
+              <a:rPr lang="en-GB" dirty="0" smtClean="0">
+                <a:highlight>
+                  <a:srgbClr val="FFFF00"/>
+                </a:highlight>
+                <a:latin typeface="Rockwell" panose="02060603020205020403" pitchFamily="18" charset="0"/>
+              </a:rPr>
+              <a:t>We could look deeper into the frequency comparison between Clinton and Trump and find a quantitative difference.</a:t>
+            </a:r>
             <a:endParaRPr lang="en-GB" dirty="0">
               <a:highlight>
                 <a:srgbClr val="FFFF00"/>
@@ -3379,7 +3835,7 @@
 </p:sld>
 </file>
 
-<file path=ppt/slides/slide12.xml><?xml version="1.0" encoding="utf-8"?>
+<file path=ppt/slides/slide15.xml><?xml version="1.0" encoding="utf-8"?>
 <p:sld xmlns:a="http://schemas.openxmlformats.org/drawingml/2006/main" xmlns:r="http://schemas.openxmlformats.org/officeDocument/2006/relationships" xmlns:p="http://schemas.openxmlformats.org/presentationml/2006/main">
   <p:cSld>
     <p:spTree>
@@ -3798,6 +4254,11 @@
             </a:endParaRPr>
           </a:p>
           <a:p>
+            <a:endParaRPr lang="en-GB" dirty="0" smtClean="0">
+              <a:latin typeface="Rockwell" panose="02060603020205020403" pitchFamily="18" charset="0"/>
+            </a:endParaRPr>
+          </a:p>
+          <a:p>
             <a:endParaRPr lang="en-GB" dirty="0">
               <a:latin typeface="Rockwell" panose="02060603020205020403" pitchFamily="18" charset="0"/>
             </a:endParaRPr>
@@ -3807,29 +4268,17 @@
               <a:rPr lang="en-GB" dirty="0">
                 <a:latin typeface="Rockwell" panose="02060603020205020403" pitchFamily="18" charset="0"/>
               </a:rPr>
-              <a:t>Limited timeline: August 1, 2016 to October 1, 2016</a:t>
-            </a:r>
-          </a:p>
-          <a:p>
+              <a:t>Limited timeline: August 1, 2016 to October 1, </a:t>
+            </a:r>
+            <a:r>
+              <a:rPr lang="en-GB" dirty="0" smtClean="0">
+                <a:latin typeface="Rockwell" panose="02060603020205020403" pitchFamily="18" charset="0"/>
+              </a:rPr>
+              <a:t>2016</a:t>
+            </a:r>
             <a:endParaRPr lang="en-GB" dirty="0">
               <a:latin typeface="Rockwell" panose="02060603020205020403" pitchFamily="18" charset="0"/>
             </a:endParaRPr>
-          </a:p>
-          <a:p>
-            <a:endParaRPr lang="en-GB" dirty="0">
-              <a:latin typeface="Rockwell" panose="02060603020205020403" pitchFamily="18" charset="0"/>
-            </a:endParaRPr>
-          </a:p>
-          <a:p>
-            <a:r>
-              <a:rPr lang="en-GB" dirty="0">
-                <a:highlight>
-                  <a:srgbClr val="FFFF00"/>
-                </a:highlight>
-                <a:latin typeface="Rockwell" panose="02060603020205020403" pitchFamily="18" charset="0"/>
-              </a:rPr>
-              <a:t>Justification of the results</a:t>
-            </a:r>
           </a:p>
         </p:txBody>
       </p:sp>
@@ -3913,8 +4362,65 @@
               <a:rPr lang="en-GB" i="1" dirty="0">
                 <a:latin typeface="Rockwell" panose="02060603020205020403" pitchFamily="18" charset="0"/>
               </a:rPr>
-              <a:t>The New York Times</a:t>
-            </a:r>
+              <a:t>The New York </a:t>
+            </a:r>
+            <a:r>
+              <a:rPr lang="en-GB" i="1" dirty="0" smtClean="0">
+                <a:latin typeface="Rockwell" panose="02060603020205020403" pitchFamily="18" charset="0"/>
+              </a:rPr>
+              <a:t>Times</a:t>
+            </a:r>
+          </a:p>
+          <a:p>
+            <a:pPr lvl="1"/>
+            <a:r>
+              <a:rPr lang="en-GB" dirty="0">
+                <a:latin typeface="Rockwell" panose="02060603020205020403" pitchFamily="18" charset="0"/>
+              </a:rPr>
+              <a:t>Specific selection of the “Presidential Election of 2016” section in the New York Times.</a:t>
+            </a:r>
+          </a:p>
+          <a:p>
+            <a:pPr marL="0" indent="0">
+              <a:buNone/>
+            </a:pPr>
+            <a:endParaRPr lang="en-GB" i="1" dirty="0">
+              <a:latin typeface="Rockwell" panose="02060603020205020403" pitchFamily="18" charset="0"/>
+            </a:endParaRPr>
+          </a:p>
+          <a:p>
+            <a:pPr marL="0" indent="0">
+              <a:buNone/>
+            </a:pPr>
+            <a:endParaRPr lang="en-GB" i="1" dirty="0">
+              <a:latin typeface="Rockwell" panose="02060603020205020403" pitchFamily="18" charset="0"/>
+            </a:endParaRPr>
+          </a:p>
+          <a:p>
+            <a:r>
+              <a:rPr lang="en-GB" dirty="0" smtClean="0">
+                <a:latin typeface="Rockwell" panose="02060603020205020403" pitchFamily="18" charset="0"/>
+              </a:rPr>
+              <a:t>API of </a:t>
+            </a:r>
+            <a:r>
+              <a:rPr lang="en-GB" i="1" dirty="0" smtClean="0">
+                <a:latin typeface="Rockwell" panose="02060603020205020403" pitchFamily="18" charset="0"/>
+              </a:rPr>
+              <a:t>The Guardian</a:t>
+            </a:r>
+          </a:p>
+          <a:p>
+            <a:pPr lvl="1"/>
+            <a:r>
+              <a:rPr lang="en-GB" dirty="0" smtClean="0">
+                <a:latin typeface="Rockwell" panose="02060603020205020403" pitchFamily="18" charset="0"/>
+              </a:rPr>
+              <a:t>US section of The Guardian.</a:t>
+            </a:r>
+          </a:p>
+          <a:p>
+            <a:pPr lvl="1"/>
             <a:endParaRPr lang="en-GB" dirty="0">
               <a:latin typeface="Rockwell" panose="02060603020205020403" pitchFamily="18" charset="0"/>
             </a:endParaRPr>
@@ -3928,14 +4434,6 @@
             <a:endParaRPr lang="en-GB" i="1" dirty="0">
               <a:latin typeface="Rockwell" panose="02060603020205020403" pitchFamily="18" charset="0"/>
             </a:endParaRPr>
-          </a:p>
-          <a:p>
-            <a:r>
-              <a:rPr lang="en-GB" dirty="0">
-                <a:latin typeface="Rockwell" panose="02060603020205020403" pitchFamily="18" charset="0"/>
-              </a:rPr>
-              <a:t>Specific selection of the “Presidential Election of 2016” section in the New York Times.</a:t>
-            </a:r>
           </a:p>
         </p:txBody>
       </p:sp>
@@ -3976,65 +4474,24 @@
             <a:spLocks noGrp="1"/>
           </p:cNvSpPr>
           <p:nvPr>
-            <p:ph type="title"/>
-          </p:nvPr>
-        </p:nvSpPr>
-        <p:spPr/>
-        <p:txBody>
-          <a:bodyPr/>
-          <a:lstStyle/>
-          <a:p>
-            <a:pPr algn="ctr"/>
+            <p:ph type="ctrTitle"/>
+          </p:nvPr>
+        </p:nvSpPr>
+        <p:spPr>
+          <a:xfrm>
+            <a:off x="1524000" y="1122363"/>
+            <a:ext cx="9144000" cy="2387600"/>
+          </a:xfrm>
+        </p:spPr>
+        <p:txBody>
+          <a:bodyPr/>
+          <a:lstStyle/>
+          <a:p>
             <a:r>
               <a:rPr lang="en-GB" dirty="0">
                 <a:latin typeface="Rockwell" panose="02060603020205020403" pitchFamily="18" charset="0"/>
               </a:rPr>
-              <a:t>Datasets (2)</a:t>
-            </a:r>
-          </a:p>
-        </p:txBody>
-      </p:sp>
-      <p:sp>
-        <p:nvSpPr>
-          <p:cNvPr id="3" name="Content Placeholder 2"/>
-          <p:cNvSpPr>
-            <a:spLocks noGrp="1"/>
-          </p:cNvSpPr>
-          <p:nvPr>
-            <p:ph idx="1"/>
-          </p:nvPr>
-        </p:nvSpPr>
-        <p:spPr/>
-        <p:txBody>
-          <a:bodyPr/>
-          <a:lstStyle/>
-          <a:p>
-            <a:r>
-              <a:rPr lang="en-GB" dirty="0">
-                <a:highlight>
-                  <a:srgbClr val="FFFF00"/>
-                </a:highlight>
-                <a:latin typeface="Rockwell" panose="02060603020205020403" pitchFamily="18" charset="0"/>
-              </a:rPr>
-              <a:t>Some more about the datasets and how we want(</a:t>
-            </a:r>
-            <a:r>
-              <a:rPr lang="en-GB" dirty="0" err="1">
-                <a:highlight>
-                  <a:srgbClr val="FFFF00"/>
-                </a:highlight>
-                <a:latin typeface="Rockwell" panose="02060603020205020403" pitchFamily="18" charset="0"/>
-              </a:rPr>
-              <a:t>ed</a:t>
-            </a:r>
-            <a:r>
-              <a:rPr lang="en-GB" dirty="0">
-                <a:highlight>
-                  <a:srgbClr val="FFFF00"/>
-                </a:highlight>
-                <a:latin typeface="Rockwell" panose="02060603020205020403" pitchFamily="18" charset="0"/>
-              </a:rPr>
-              <a:t>) to use them</a:t>
+              <a:t>Results</a:t>
             </a:r>
           </a:p>
         </p:txBody>
@@ -4042,7 +4499,7 @@
     </p:spTree>
     <p:extLst>
       <p:ext uri="{BB962C8B-B14F-4D97-AF65-F5344CB8AC3E}">
-        <p14:creationId xmlns:p14="http://schemas.microsoft.com/office/powerpoint/2010/main" val="1910905475"/>
+        <p14:creationId xmlns:p14="http://schemas.microsoft.com/office/powerpoint/2010/main" val="1868301062"/>
       </p:ext>
     </p:extLst>
   </p:cSld>
@@ -4076,32 +4533,90 @@
             <a:spLocks noGrp="1"/>
           </p:cNvSpPr>
           <p:nvPr>
-            <p:ph type="ctrTitle"/>
-          </p:nvPr>
-        </p:nvSpPr>
+            <p:ph type="title"/>
+          </p:nvPr>
+        </p:nvSpPr>
+        <p:spPr/>
+        <p:txBody>
+          <a:bodyPr/>
+          <a:lstStyle/>
+          <a:p>
+            <a:pPr algn="ctr"/>
+            <a:r>
+              <a:rPr lang="en-GB" dirty="0" smtClean="0">
+                <a:latin typeface="Rockwell" panose="02060603020205020403" pitchFamily="18" charset="0"/>
+              </a:rPr>
+              <a:t>Trump in NYT</a:t>
+            </a:r>
+            <a:endParaRPr lang="en-GB" dirty="0">
+              <a:latin typeface="Rockwell" panose="02060603020205020403" pitchFamily="18" charset="0"/>
+            </a:endParaRPr>
+          </a:p>
+        </p:txBody>
+      </p:sp>
+      <p:pic>
+        <p:nvPicPr>
+          <p:cNvPr id="7" name="Content Placeholder 6"/>
+          <p:cNvPicPr>
+            <a:picLocks noGrp="1" noChangeAspect="1"/>
+          </p:cNvPicPr>
+          <p:nvPr>
+            <p:ph idx="1"/>
+          </p:nvPr>
+        </p:nvPicPr>
+        <p:blipFill>
+          <a:blip r:embed="rId2">
+            <a:extLst>
+              <a:ext uri="{28A0092B-C50C-407E-A947-70E740481C1C}">
+                <a14:useLocalDpi xmlns:a14="http://schemas.microsoft.com/office/drawing/2010/main" val="0"/>
+              </a:ext>
+            </a:extLst>
+          </a:blip>
+          <a:stretch>
+            <a:fillRect/>
+          </a:stretch>
+        </p:blipFill>
         <p:spPr>
           <a:xfrm>
-            <a:off x="1524000" y="1122363"/>
-            <a:ext cx="9144000" cy="2387600"/>
+            <a:off x="838200" y="2053882"/>
+            <a:ext cx="5248275" cy="3894823"/>
           </a:xfrm>
         </p:spPr>
-        <p:txBody>
-          <a:bodyPr/>
-          <a:lstStyle/>
-          <a:p>
-            <a:r>
-              <a:rPr lang="en-GB" dirty="0">
-                <a:latin typeface="Rockwell" panose="02060603020205020403" pitchFamily="18" charset="0"/>
-              </a:rPr>
-              <a:t>Results</a:t>
-            </a:r>
-          </a:p>
-        </p:txBody>
-      </p:sp>
+      </p:pic>
+      <p:pic>
+        <p:nvPicPr>
+          <p:cNvPr id="8" name="Picture 7"/>
+          <p:cNvPicPr>
+            <a:picLocks noChangeAspect="1"/>
+          </p:cNvPicPr>
+          <p:nvPr/>
+        </p:nvPicPr>
+        <p:blipFill>
+          <a:blip r:embed="rId3">
+            <a:extLst>
+              <a:ext uri="{28A0092B-C50C-407E-A947-70E740481C1C}">
+                <a14:useLocalDpi xmlns:a14="http://schemas.microsoft.com/office/drawing/2010/main" val="0"/>
+              </a:ext>
+            </a:extLst>
+          </a:blip>
+          <a:stretch>
+            <a:fillRect/>
+          </a:stretch>
+        </p:blipFill>
+        <p:spPr>
+          <a:xfrm>
+            <a:off x="6263144" y="1932712"/>
+            <a:ext cx="5257961" cy="3902011"/>
+          </a:xfrm>
+          <a:prstGeom prst="rect">
+            <a:avLst/>
+          </a:prstGeom>
+        </p:spPr>
+      </p:pic>
     </p:spTree>
     <p:extLst>
       <p:ext uri="{BB962C8B-B14F-4D97-AF65-F5344CB8AC3E}">
-        <p14:creationId xmlns:p14="http://schemas.microsoft.com/office/powerpoint/2010/main" val="1868301062"/>
+        <p14:creationId xmlns:p14="http://schemas.microsoft.com/office/powerpoint/2010/main" val="698051776"/>
       </p:ext>
     </p:extLst>
   </p:cSld>
@@ -4145,45 +4660,80 @@
           <a:p>
             <a:pPr algn="ctr"/>
             <a:r>
-              <a:rPr lang="en-GB" dirty="0">
-                <a:latin typeface="Rockwell" panose="02060603020205020403" pitchFamily="18" charset="0"/>
-              </a:rPr>
-              <a:t>Results</a:t>
-            </a:r>
-          </a:p>
-        </p:txBody>
-      </p:sp>
-      <p:sp>
-        <p:nvSpPr>
-          <p:cNvPr id="3" name="Content Placeholder 2"/>
-          <p:cNvSpPr>
-            <a:spLocks noGrp="1"/>
-          </p:cNvSpPr>
+              <a:rPr lang="en-GB" dirty="0" smtClean="0">
+                <a:latin typeface="Rockwell" panose="02060603020205020403" pitchFamily="18" charset="0"/>
+              </a:rPr>
+              <a:t>Clinton in NYT</a:t>
+            </a:r>
+            <a:endParaRPr lang="en-GB" dirty="0">
+              <a:latin typeface="Rockwell" panose="02060603020205020403" pitchFamily="18" charset="0"/>
+            </a:endParaRPr>
+          </a:p>
+        </p:txBody>
+      </p:sp>
+      <p:pic>
+        <p:nvPicPr>
+          <p:cNvPr id="7" name="Content Placeholder 6"/>
+          <p:cNvPicPr>
+            <a:picLocks noGrp="1" noChangeAspect="1"/>
+          </p:cNvPicPr>
           <p:nvPr>
             <p:ph idx="1"/>
           </p:nvPr>
-        </p:nvSpPr>
-        <p:spPr/>
-        <p:txBody>
-          <a:bodyPr/>
-          <a:lstStyle/>
-          <a:p>
-            <a:r>
-              <a:rPr lang="en-GB" dirty="0">
-                <a:highlight>
-                  <a:srgbClr val="FFFF00"/>
-                </a:highlight>
-                <a:latin typeface="Rockwell" panose="02060603020205020403" pitchFamily="18" charset="0"/>
-              </a:rPr>
-              <a:t>Presentation of the results, and their justification (Perhaps graphs here already)</a:t>
-            </a:r>
-          </a:p>
-        </p:txBody>
-      </p:sp>
+        </p:nvPicPr>
+        <p:blipFill>
+          <a:blip r:embed="rId2">
+            <a:extLst>
+              <a:ext uri="{28A0092B-C50C-407E-A947-70E740481C1C}">
+                <a14:useLocalDpi xmlns:a14="http://schemas.microsoft.com/office/drawing/2010/main" val="0"/>
+              </a:ext>
+            </a:extLst>
+          </a:blip>
+          <a:stretch>
+            <a:fillRect/>
+          </a:stretch>
+        </p:blipFill>
+        <p:spPr>
+          <a:xfrm>
+            <a:off x="838201" y="2053882"/>
+            <a:ext cx="5248273" cy="3894823"/>
+          </a:xfrm>
+        </p:spPr>
+      </p:pic>
+      <p:pic>
+        <p:nvPicPr>
+          <p:cNvPr id="8" name="Picture 7"/>
+          <p:cNvPicPr>
+            <a:picLocks noChangeAspect="1"/>
+          </p:cNvPicPr>
+          <p:nvPr/>
+        </p:nvPicPr>
+        <p:blipFill>
+          <a:blip r:embed="rId3">
+            <a:extLst>
+              <a:ext uri="{28A0092B-C50C-407E-A947-70E740481C1C}">
+                <a14:useLocalDpi xmlns:a14="http://schemas.microsoft.com/office/drawing/2010/main" val="0"/>
+              </a:ext>
+            </a:extLst>
+          </a:blip>
+          <a:stretch>
+            <a:fillRect/>
+          </a:stretch>
+        </p:blipFill>
+        <p:spPr>
+          <a:xfrm>
+            <a:off x="6263145" y="1932712"/>
+            <a:ext cx="5257959" cy="3902011"/>
+          </a:xfrm>
+          <a:prstGeom prst="rect">
+            <a:avLst/>
+          </a:prstGeom>
+        </p:spPr>
+      </p:pic>
     </p:spTree>
     <p:extLst>
       <p:ext uri="{BB962C8B-B14F-4D97-AF65-F5344CB8AC3E}">
-        <p14:creationId xmlns:p14="http://schemas.microsoft.com/office/powerpoint/2010/main" val="2939040598"/>
+        <p14:creationId xmlns:p14="http://schemas.microsoft.com/office/powerpoint/2010/main" val="1452071006"/>
       </p:ext>
     </p:extLst>
   </p:cSld>
@@ -4227,41 +4777,77 @@
           <a:p>
             <a:pPr algn="ctr"/>
             <a:r>
-              <a:rPr lang="en-GB" dirty="0">
-                <a:latin typeface="Rockwell" panose="02060603020205020403" pitchFamily="18" charset="0"/>
-              </a:rPr>
-              <a:t>Visualisation</a:t>
-            </a:r>
-          </a:p>
-        </p:txBody>
-      </p:sp>
-      <p:sp>
-        <p:nvSpPr>
-          <p:cNvPr id="3" name="Content Placeholder 2"/>
-          <p:cNvSpPr>
-            <a:spLocks noGrp="1"/>
-          </p:cNvSpPr>
+              <a:rPr lang="en-GB" dirty="0" smtClean="0">
+                <a:latin typeface="Rockwell" panose="02060603020205020403" pitchFamily="18" charset="0"/>
+              </a:rPr>
+              <a:t>Trump in Guardian</a:t>
+            </a:r>
+            <a:endParaRPr lang="en-GB" dirty="0">
+              <a:latin typeface="Rockwell" panose="02060603020205020403" pitchFamily="18" charset="0"/>
+            </a:endParaRPr>
+          </a:p>
+        </p:txBody>
+      </p:sp>
+      <p:pic>
+        <p:nvPicPr>
+          <p:cNvPr id="7" name="Content Placeholder 6" descr="guardiantrumpBAR.png"/>
+          <p:cNvPicPr>
+            <a:picLocks noGrp="1" noChangeAspect="1"/>
+          </p:cNvPicPr>
           <p:nvPr>
             <p:ph idx="1"/>
           </p:nvPr>
-        </p:nvSpPr>
-        <p:spPr/>
-        <p:txBody>
-          <a:bodyPr/>
-          <a:lstStyle/>
-          <a:p>
-            <a:r>
-              <a:rPr lang="en-GB" dirty="0">
-                <a:highlight>
-                  <a:srgbClr val="FFFF00"/>
-                </a:highlight>
-                <a:latin typeface="Rockwell" panose="02060603020205020403" pitchFamily="18" charset="0"/>
-              </a:rPr>
-              <a:t>Graphs here!</a:t>
-            </a:r>
-          </a:p>
-        </p:txBody>
-      </p:sp>
+        </p:nvPicPr>
+        <p:blipFill>
+          <a:blip r:embed="rId2">
+            <a:extLst>
+              <a:ext uri="{28A0092B-C50C-407E-A947-70E740481C1C}">
+                <a14:useLocalDpi xmlns:a14="http://schemas.microsoft.com/office/drawing/2010/main" val="0"/>
+              </a:ext>
+            </a:extLst>
+          </a:blip>
+          <a:srcRect l="5246" r="5246"/>
+          <a:stretch>
+            <a:fillRect/>
+          </a:stretch>
+        </p:blipFill>
+        <p:spPr>
+          <a:xfrm>
+            <a:off x="838200" y="1825625"/>
+            <a:ext cx="5248275" cy="4351338"/>
+          </a:xfrm>
+        </p:spPr>
+      </p:pic>
+      <p:pic>
+        <p:nvPicPr>
+          <p:cNvPr id="8" name="Picture 7" descr="guardiantrumpLINE.png"/>
+          <p:cNvPicPr>
+            <a:picLocks noChangeAspect="1"/>
+          </p:cNvPicPr>
+          <p:nvPr/>
+        </p:nvPicPr>
+        <p:blipFill>
+          <a:blip r:embed="rId3">
+            <a:extLst>
+              <a:ext uri="{28A0092B-C50C-407E-A947-70E740481C1C}">
+                <a14:useLocalDpi xmlns:a14="http://schemas.microsoft.com/office/drawing/2010/main" val="0"/>
+              </a:ext>
+            </a:extLst>
+          </a:blip>
+          <a:stretch>
+            <a:fillRect/>
+          </a:stretch>
+        </p:blipFill>
+        <p:spPr>
+          <a:xfrm>
+            <a:off x="6263144" y="1932712"/>
+            <a:ext cx="5257961" cy="3902012"/>
+          </a:xfrm>
+          <a:prstGeom prst="rect">
+            <a:avLst/>
+          </a:prstGeom>
+        </p:spPr>
+      </p:pic>
     </p:spTree>
     <p:extLst>
       <p:ext uri="{BB962C8B-B14F-4D97-AF65-F5344CB8AC3E}">
@@ -4318,7 +4904,7 @@
     </a:clrScheme>
     <a:fontScheme name="Office">
       <a:majorFont>
-        <a:latin typeface="Calibri Light" panose="020F0302020204030204"/>
+        <a:latin typeface="Calibri Light"/>
         <a:ea typeface=""/>
         <a:cs typeface=""/>
         <a:font script="Jpan" typeface="游ゴシック Light"/>
@@ -4353,7 +4939,7 @@
         <a:font script="Geor" typeface="Sylfaen"/>
       </a:majorFont>
       <a:minorFont>
-        <a:latin typeface="Calibri" panose="020F0502020204030204"/>
+        <a:latin typeface="Calibri"/>
         <a:ea typeface=""/>
         <a:cs typeface=""/>
         <a:font script="Jpan" typeface="游ゴシック"/>
@@ -4530,7 +5116,7 @@
   <a:extraClrSchemeLst/>
   <a:extLst>
     <a:ext uri="{05A4C25C-085E-4340-85A3-A5531E510DB2}">
-      <thm15:themeFamily xmlns:thm15="http://schemas.microsoft.com/office/thememl/2012/main" name="Office Theme" id="{62F939B6-93AF-4DB8-9C6B-D6C7DFDC589F}" vid="{4A3C46E8-61CC-4603-A589-7422A47A8E4A}"/>
+      <thm15:themeFamily xmlns:thm15="http://schemas.microsoft.com/office/thememl/2012/main" xmlns="" name="Office Theme" id="{62F939B6-93AF-4DB8-9C6B-D6C7DFDC589F}" vid="{4A3C46E8-61CC-4603-A589-7422A47A8E4A}"/>
     </a:ext>
   </a:extLst>
 </a:theme>
